--- a/24.5.22~24.5.28/毕业答辩PPT.pptx
+++ b/24.5.22~24.5.28/毕业答辩PPT.pptx
@@ -215,7 +215,7 @@
           <a:p>
             <a:fld id="{4317A6E3-1DB8-4A75-8AAD-BA3CBBCA9251}" type="datetimeFigureOut">
               <a:rPr lang="zh-CN" altLang="en-US" smtClean="0"/>
-              <a:t>2024/5/26</a:t>
+              <a:t>2024/5/27</a:t>
             </a:fld>
             <a:endParaRPr lang="zh-CN" altLang="en-US"/>
           </a:p>
@@ -1670,7 +1670,7 @@
           <a:p>
             <a:fld id="{3FBBD651-26F5-4478-9F6A-2C8B61FCDA34}" type="datetime1">
               <a:rPr lang="zh-CN" altLang="en-US" smtClean="0"/>
-              <a:t>2024/5/26</a:t>
+              <a:t>2024/5/27</a:t>
             </a:fld>
             <a:endParaRPr lang="zh-CN" altLang="en-US"/>
           </a:p>
@@ -2054,7 +2054,7 @@
           <a:p>
             <a:fld id="{B60840E0-EBF5-4C01-918A-7C66658D4A6D}" type="datetime1">
               <a:rPr lang="zh-CN" altLang="en-US" smtClean="0"/>
-              <a:t>2024/5/26</a:t>
+              <a:t>2024/5/27</a:t>
             </a:fld>
             <a:endParaRPr lang="zh-CN" altLang="en-US"/>
           </a:p>
@@ -2431,7 +2431,7 @@
           <a:p>
             <a:fld id="{C693D6E7-1550-4914-8A15-5DDB282FC22C}" type="datetime1">
               <a:rPr lang="zh-CN" altLang="en-US" smtClean="0"/>
-              <a:t>2024/5/26</a:t>
+              <a:t>2024/5/27</a:t>
             </a:fld>
             <a:endParaRPr lang="zh-CN" altLang="en-US"/>
           </a:p>
@@ -2601,7 +2601,7 @@
           <a:p>
             <a:fld id="{E97A770C-C7B8-4D83-8EAD-E59D182D90E9}" type="datetime1">
               <a:rPr lang="zh-CN" altLang="en-US" smtClean="0"/>
-              <a:t>2024/5/26</a:t>
+              <a:t>2024/5/27</a:t>
             </a:fld>
             <a:endParaRPr lang="zh-CN" altLang="en-US"/>
           </a:p>
@@ -2857,7 +2857,7 @@
           <a:p>
             <a:fld id="{07A09E2A-CE47-4467-90F2-5613F5C1CD2E}" type="datetime1">
               <a:rPr lang="zh-CN" altLang="en-US" smtClean="0"/>
-              <a:t>2024/5/26</a:t>
+              <a:t>2024/5/27</a:t>
             </a:fld>
             <a:endParaRPr lang="zh-CN" altLang="en-US"/>
           </a:p>
@@ -3156,7 +3156,7 @@
           <a:p>
             <a:fld id="{3FBBD651-26F5-4478-9F6A-2C8B61FCDA34}" type="datetime1">
               <a:rPr lang="zh-CN" altLang="en-US" smtClean="0"/>
-              <a:t>2024/5/26</a:t>
+              <a:t>2024/5/27</a:t>
             </a:fld>
             <a:endParaRPr lang="zh-CN" altLang="en-US"/>
           </a:p>
@@ -3366,7 +3366,7 @@
           <a:p>
             <a:fld id="{7DCC98FF-5A0B-472F-A539-41E2A5D45A76}" type="datetime1">
               <a:rPr lang="zh-CN" altLang="en-US" smtClean="0"/>
-              <a:t>2024/5/26</a:t>
+              <a:t>2024/5/27</a:t>
             </a:fld>
             <a:endParaRPr lang="zh-CN" altLang="en-US"/>
           </a:p>
@@ -3634,7 +3634,7 @@
           <a:p>
             <a:fld id="{7DCC98FF-5A0B-472F-A539-41E2A5D45A76}" type="datetime1">
               <a:rPr lang="zh-CN" altLang="en-US" smtClean="0"/>
-              <a:t>2024/5/26</a:t>
+              <a:t>2024/5/27</a:t>
             </a:fld>
             <a:endParaRPr lang="zh-CN" altLang="en-US"/>
           </a:p>
@@ -4023,7 +4023,7 @@
           <a:p>
             <a:fld id="{E6EBA887-0625-4771-AEC8-8D937D77B405}" type="datetime1">
               <a:rPr lang="zh-CN" altLang="en-US" smtClean="0"/>
-              <a:t>2024/5/26</a:t>
+              <a:t>2024/5/27</a:t>
             </a:fld>
             <a:endParaRPr lang="zh-CN" altLang="en-US"/>
           </a:p>
@@ -4298,7 +4298,7 @@
           <a:p>
             <a:fld id="{3DAC3F89-ED74-4E83-80B4-7B8E2B6BD357}" type="datetime1">
               <a:rPr lang="zh-CN" altLang="en-US" smtClean="0"/>
-              <a:t>2024/5/26</a:t>
+              <a:t>2024/5/27</a:t>
             </a:fld>
             <a:endParaRPr lang="zh-CN" altLang="en-US"/>
           </a:p>
@@ -4677,7 +4677,7 @@
           <a:p>
             <a:fld id="{3FD6F61E-3AD0-41BC-8B12-ABEB538786E6}" type="datetime1">
               <a:rPr lang="zh-CN" altLang="en-US" smtClean="0"/>
-              <a:t>2024/5/26</a:t>
+              <a:t>2024/5/27</a:t>
             </a:fld>
             <a:endParaRPr lang="zh-CN" altLang="en-US"/>
           </a:p>
@@ -4795,7 +4795,7 @@
           <a:p>
             <a:fld id="{38CF3E1A-D9FE-4D73-8512-B994AA8D7ACC}" type="datetime1">
               <a:rPr lang="zh-CN" altLang="en-US" smtClean="0"/>
-              <a:t>2024/5/26</a:t>
+              <a:t>2024/5/27</a:t>
             </a:fld>
             <a:endParaRPr lang="zh-CN" altLang="en-US"/>
           </a:p>
@@ -4966,7 +4966,7 @@
           <a:p>
             <a:fld id="{DEF03961-860F-44B6-B44C-7DBAFA64B113}" type="datetime1">
               <a:rPr lang="zh-CN" altLang="en-US" smtClean="0"/>
-              <a:t>2024/5/26</a:t>
+              <a:t>2024/5/27</a:t>
             </a:fld>
             <a:endParaRPr lang="zh-CN" altLang="en-US"/>
           </a:p>
@@ -5261,7 +5261,7 @@
           <a:p>
             <a:fld id="{8678A143-1732-49E1-B47C-E0F46AB643CA}" type="datetime1">
               <a:rPr lang="zh-CN" altLang="en-US" smtClean="0"/>
-              <a:t>2024/5/26</a:t>
+              <a:t>2024/5/27</a:t>
             </a:fld>
             <a:endParaRPr lang="zh-CN" altLang="en-US"/>
           </a:p>
@@ -6551,7 +6551,7 @@
             </a:r>
             <a:r>
               <a:rPr lang="zh-CN" altLang="en-US" dirty="0"/>
-              <a:t>，实时性最高，但并未消除重复调用，开销较高。</a:t>
+              <a:t>，实时性最高，但并未完全消除重复调用，开销较高。</a:t>
             </a:r>
             <a:endParaRPr lang="en-US" altLang="zh-CN" dirty="0"/>
           </a:p>
@@ -6562,7 +6562,7 @@
             </a:pPr>
             <a:r>
               <a:rPr lang="zh-CN" altLang="en-US" dirty="0"/>
-              <a:t>中断模式：由中断唤醒该协程并调用</a:t>
+              <a:t>中断模式：由网卡中断唤醒该协程并调用</a:t>
             </a:r>
             <a:r>
               <a:rPr lang="en-US" altLang="zh-CN" dirty="0" err="1"/>
@@ -6661,7 +6661,7 @@
             </a:r>
             <a:r>
               <a:rPr lang="zh-CN" altLang="en-US" dirty="0"/>
-              <a:t>实验结果与演示</a:t>
+              <a:t>实验结果与分析</a:t>
             </a:r>
           </a:p>
         </p:txBody>
@@ -6694,25 +6694,6 @@
             <a:r>
               <a:rPr lang="zh-CN" altLang="en-US" dirty="0"/>
               <a:t>实验结果与分析</a:t>
-            </a:r>
-            <a:endParaRPr lang="en-US" altLang="zh-CN" dirty="0"/>
-          </a:p>
-          <a:p>
-            <a:r>
-              <a:rPr lang="en-US" altLang="zh-CN" dirty="0"/>
-              <a:t>3.2. </a:t>
-            </a:r>
-            <a:r>
-              <a:rPr lang="zh-CN" altLang="en-US" dirty="0"/>
-              <a:t>实机演示</a:t>
-            </a:r>
-            <a:r>
-              <a:rPr lang="en-US" altLang="zh-CN" dirty="0"/>
-              <a:t>/</a:t>
-            </a:r>
-            <a:r>
-              <a:rPr lang="zh-CN" altLang="en-US" dirty="0"/>
-              <a:t>视频演示</a:t>
             </a:r>
             <a:endParaRPr lang="en-US" altLang="zh-CN" dirty="0"/>
           </a:p>
@@ -7588,7 +7569,7 @@
           <a:p>
             <a:r>
               <a:rPr lang="zh-CN" altLang="en-US" dirty="0"/>
-              <a:t>本项目对该系统开展实验，结果表明，本文的实现提升了软硬件系统的任务调度性能，且优化了软硬件系统在高并发下的网络表现。</a:t>
+              <a:t>本项目对该系统开展实验，结果表明，本项目提升了软硬件系统的任务调度性能，且优化了软硬件系统在高并发下的网络表现。</a:t>
             </a:r>
           </a:p>
         </p:txBody>
@@ -8285,7 +8266,7 @@
             </a:r>
             <a:r>
               <a:rPr lang="zh-CN" altLang="en-US" dirty="0"/>
-              <a:t>实验结果与演示</a:t>
+              <a:t>实验结果与分析</a:t>
             </a:r>
             <a:endParaRPr lang="en-US" altLang="zh-CN" dirty="0"/>
           </a:p>
